--- a/T1.pptx
+++ b/T1.pptx
@@ -104,6 +104,11 @@
       </a:defRPr>
     </a:lvl9pPr>
   </p:defaultTextStyle>
+  <p:extLst>
+    <p:ext uri="{EFAFB233-063F-42B5-8137-9DF3F51BA10A}">
+      <p15:sldGuideLst xmlns:p15="http://schemas.microsoft.com/office/powerpoint/2012/main"/>
+    </p:ext>
+  </p:extLst>
 </p:presentation>
 </file>
 
@@ -3367,14 +3372,72 @@
         </p:nvPicPr>
         <p:blipFill>
           <a:blip r:embed="rId3"/>
+          <a:srcRect b="60879"/>
+          <a:stretch/>
+        </p:blipFill>
+        <p:spPr>
+          <a:xfrm>
+            <a:off x="0" y="2873262"/>
+            <a:ext cx="5487166" cy="689448"/>
+          </a:xfrm>
+          <a:prstGeom prst="rect">
+            <a:avLst/>
+          </a:prstGeom>
+        </p:spPr>
+      </p:pic>
+      <p:pic>
+        <p:nvPicPr>
+          <p:cNvPr id="2" name="Imagen 1">
+            <a:extLst>
+              <a:ext uri="{FF2B5EF4-FFF2-40B4-BE49-F238E27FC236}">
+                <a16:creationId xmlns:a16="http://schemas.microsoft.com/office/drawing/2014/main" id="{56D54EC5-3BE4-6C7F-8FF1-E21194582B38}"/>
+              </a:ext>
+            </a:extLst>
+          </p:cNvPr>
+          <p:cNvPicPr>
+            <a:picLocks noChangeAspect="1"/>
+          </p:cNvPicPr>
+          <p:nvPr/>
+        </p:nvPicPr>
+        <p:blipFill>
+          <a:blip r:embed="rId3"/>
+          <a:srcRect t="80400"/>
+          <a:stretch/>
+        </p:blipFill>
+        <p:spPr>
+          <a:xfrm>
+            <a:off x="0" y="3562710"/>
+            <a:ext cx="5487166" cy="345428"/>
+          </a:xfrm>
+          <a:prstGeom prst="rect">
+            <a:avLst/>
+          </a:prstGeom>
+        </p:spPr>
+      </p:pic>
+      <p:pic>
+        <p:nvPicPr>
+          <p:cNvPr id="4" name="Imagen 3">
+            <a:extLst>
+              <a:ext uri="{FF2B5EF4-FFF2-40B4-BE49-F238E27FC236}">
+                <a16:creationId xmlns:a16="http://schemas.microsoft.com/office/drawing/2014/main" id="{6638E49A-7C7E-8CA1-2D33-64AB9E9B88AA}"/>
+              </a:ext>
+            </a:extLst>
+          </p:cNvPr>
+          <p:cNvPicPr>
+            <a:picLocks noChangeAspect="1"/>
+          </p:cNvPicPr>
+          <p:nvPr/>
+        </p:nvPicPr>
+        <p:blipFill>
+          <a:blip r:embed="rId4"/>
           <a:stretch>
             <a:fillRect/>
           </a:stretch>
         </p:blipFill>
         <p:spPr>
           <a:xfrm>
-            <a:off x="0" y="2873261"/>
-            <a:ext cx="5487166" cy="1762371"/>
+            <a:off x="0" y="3908138"/>
+            <a:ext cx="5496692" cy="1247949"/>
           </a:xfrm>
           <a:prstGeom prst="rect">
             <a:avLst/>

--- a/T1.pptx
+++ b/T1.pptx
@@ -3438,6 +3438,36 @@
           <a:xfrm>
             <a:off x="0" y="3908138"/>
             <a:ext cx="5496692" cy="1247949"/>
+          </a:xfrm>
+          <a:prstGeom prst="rect">
+            <a:avLst/>
+          </a:prstGeom>
+        </p:spPr>
+      </p:pic>
+      <p:pic>
+        <p:nvPicPr>
+          <p:cNvPr id="6" name="Imagen 5">
+            <a:extLst>
+              <a:ext uri="{FF2B5EF4-FFF2-40B4-BE49-F238E27FC236}">
+                <a16:creationId xmlns:a16="http://schemas.microsoft.com/office/drawing/2014/main" id="{4CA5E7EE-C8EA-A9CB-56BA-99C3875D1E88}"/>
+              </a:ext>
+            </a:extLst>
+          </p:cNvPr>
+          <p:cNvPicPr>
+            <a:picLocks noChangeAspect="1"/>
+          </p:cNvPicPr>
+          <p:nvPr/>
+        </p:nvPicPr>
+        <p:blipFill>
+          <a:blip r:embed="rId5"/>
+          <a:stretch>
+            <a:fillRect/>
+          </a:stretch>
+        </p:blipFill>
+        <p:spPr>
+          <a:xfrm>
+            <a:off x="28579" y="3735424"/>
+            <a:ext cx="5477639" cy="1228896"/>
           </a:xfrm>
           <a:prstGeom prst="rect">
             <a:avLst/>
